--- a/content/grade7/cycle03/week3/G7_C3_W3_Assessment_Slides_Final.pptx
+++ b/content/grade7/cycle03/week3/G7_C3_W3_Assessment_Slides_Final.pptx
@@ -3266,10 +3266,8 @@
           <a:solidFill>
             <a:srgbClr val="FFFFFF"/>
           </a:solidFill>
-          <a:ln w="25400">
-            <a:solidFill>
-              <a:srgbClr val="9B2C2C"/>
-            </a:solidFill>
+          <a:ln>
+            <a:noFill/>
           </a:ln>
         </p:spPr>
         <p:style>

--- a/content/grade7/cycle03/week3/G7_C3_W3_Assessment_Slides_Final.pptx
+++ b/content/grade7/cycle03/week3/G7_C3_W3_Assessment_Slides_Final.pptx
@@ -3730,8 +3730,8 @@
         </p:nvSpPr>
         <p:spPr>
           <a:xfrm>
-            <a:off x="365760" y="2377440"/>
-            <a:ext cx="8412480" cy="457200"/>
+            <a:off x="365760" y="2313432"/>
+            <a:ext cx="8412480" cy="594360"/>
           </a:xfrm>
           <a:prstGeom prst="rect">
             <a:avLst/>
@@ -4344,8 +4344,8 @@
         </p:nvSpPr>
         <p:spPr>
           <a:xfrm>
-            <a:off x="365760" y="3200400"/>
-            <a:ext cx="2377440" cy="274320"/>
+            <a:off x="365760" y="3154680"/>
+            <a:ext cx="2377440" cy="365760"/>
           </a:xfrm>
           <a:prstGeom prst="rect">
             <a:avLst/>
@@ -4381,7 +4381,7 @@
         <p:spPr>
           <a:xfrm>
             <a:off x="365760" y="3520440"/>
-            <a:ext cx="2377440" cy="411480"/>
+            <a:ext cx="2377440" cy="457200"/>
           </a:xfrm>
           <a:prstGeom prst="rect">
             <a:avLst/>
@@ -4459,8 +4459,8 @@
         </p:nvSpPr>
         <p:spPr>
           <a:xfrm>
-            <a:off x="3383280" y="3200400"/>
-            <a:ext cx="2377440" cy="274320"/>
+            <a:off x="3383280" y="3154680"/>
+            <a:ext cx="2377440" cy="365760"/>
           </a:xfrm>
           <a:prstGeom prst="rect">
             <a:avLst/>
@@ -4496,7 +4496,7 @@
         <p:spPr>
           <a:xfrm>
             <a:off x="3383280" y="3520440"/>
-            <a:ext cx="2377440" cy="411480"/>
+            <a:ext cx="2377440" cy="457200"/>
           </a:xfrm>
           <a:prstGeom prst="rect">
             <a:avLst/>
@@ -4574,8 +4574,8 @@
         </p:nvSpPr>
         <p:spPr>
           <a:xfrm>
-            <a:off x="6400800" y="3200400"/>
-            <a:ext cx="2377440" cy="274320"/>
+            <a:off x="6400800" y="3154680"/>
+            <a:ext cx="2377440" cy="365760"/>
           </a:xfrm>
           <a:prstGeom prst="rect">
             <a:avLst/>
@@ -4611,7 +4611,7 @@
         <p:spPr>
           <a:xfrm>
             <a:off x="6400800" y="3520440"/>
-            <a:ext cx="2377440" cy="411480"/>
+            <a:ext cx="2377440" cy="457200"/>
           </a:xfrm>
           <a:prstGeom prst="rect">
             <a:avLst/>
@@ -4689,8 +4689,8 @@
         </p:nvSpPr>
         <p:spPr>
           <a:xfrm>
-            <a:off x="365760" y="4279392"/>
-            <a:ext cx="8412480" cy="365760"/>
+            <a:off x="365760" y="4233672"/>
+            <a:ext cx="8412480" cy="502920"/>
           </a:xfrm>
           <a:prstGeom prst="rect">
             <a:avLst/>
@@ -5478,8 +5478,8 @@
         </p:nvSpPr>
         <p:spPr>
           <a:xfrm>
-            <a:off x="365760" y="4480560"/>
-            <a:ext cx="8412480" cy="365760"/>
+            <a:off x="365760" y="4462272"/>
+            <a:ext cx="8412480" cy="457200"/>
           </a:xfrm>
           <a:prstGeom prst="rect">
             <a:avLst/>
@@ -5654,8 +5654,8 @@
         </p:nvSpPr>
         <p:spPr>
           <a:xfrm>
-            <a:off x="365760" y="822960"/>
-            <a:ext cx="4023360" cy="228600"/>
+            <a:off x="365760" y="804672"/>
+            <a:ext cx="4023360" cy="256032"/>
           </a:xfrm>
           <a:prstGeom prst="rect">
             <a:avLst/>
@@ -5690,7 +5690,7 @@
         </p:nvSpPr>
         <p:spPr>
           <a:xfrm>
-            <a:off x="365760" y="1051560"/>
+            <a:off x="365760" y="1078992"/>
             <a:ext cx="4023360" cy="502920"/>
           </a:xfrm>
           <a:prstGeom prst="rect">
@@ -5769,8 +5769,8 @@
         </p:nvSpPr>
         <p:spPr>
           <a:xfrm>
-            <a:off x="4846320" y="822960"/>
-            <a:ext cx="4023360" cy="228600"/>
+            <a:off x="4846320" y="804672"/>
+            <a:ext cx="4023360" cy="256032"/>
           </a:xfrm>
           <a:prstGeom prst="rect">
             <a:avLst/>
@@ -5805,7 +5805,7 @@
         </p:nvSpPr>
         <p:spPr>
           <a:xfrm>
-            <a:off x="4846320" y="1051560"/>
+            <a:off x="4846320" y="1078992"/>
             <a:ext cx="4023360" cy="502920"/>
           </a:xfrm>
           <a:prstGeom prst="rect">
@@ -5884,8 +5884,8 @@
         </p:nvSpPr>
         <p:spPr>
           <a:xfrm>
-            <a:off x="365760" y="1874519"/>
-            <a:ext cx="4023360" cy="228600"/>
+            <a:off x="365760" y="1856231"/>
+            <a:ext cx="4023360" cy="256032"/>
           </a:xfrm>
           <a:prstGeom prst="rect">
             <a:avLst/>
@@ -5920,7 +5920,7 @@
         </p:nvSpPr>
         <p:spPr>
           <a:xfrm>
-            <a:off x="365760" y="2103120"/>
+            <a:off x="365760" y="2130552"/>
             <a:ext cx="4023360" cy="502920"/>
           </a:xfrm>
           <a:prstGeom prst="rect">
@@ -5999,8 +5999,8 @@
         </p:nvSpPr>
         <p:spPr>
           <a:xfrm>
-            <a:off x="4846320" y="1874519"/>
-            <a:ext cx="4023360" cy="228600"/>
+            <a:off x="4846320" y="1856231"/>
+            <a:ext cx="4023360" cy="256032"/>
           </a:xfrm>
           <a:prstGeom prst="rect">
             <a:avLst/>
@@ -6035,7 +6035,7 @@
         </p:nvSpPr>
         <p:spPr>
           <a:xfrm>
-            <a:off x="4846320" y="2103120"/>
+            <a:off x="4846320" y="2130552"/>
             <a:ext cx="4023360" cy="502920"/>
           </a:xfrm>
           <a:prstGeom prst="rect">
@@ -6114,8 +6114,8 @@
         </p:nvSpPr>
         <p:spPr>
           <a:xfrm>
-            <a:off x="365760" y="2926079"/>
-            <a:ext cx="4023360" cy="228600"/>
+            <a:off x="365760" y="2907791"/>
+            <a:ext cx="4023360" cy="256032"/>
           </a:xfrm>
           <a:prstGeom prst="rect">
             <a:avLst/>
@@ -6150,7 +6150,7 @@
         </p:nvSpPr>
         <p:spPr>
           <a:xfrm>
-            <a:off x="365760" y="3154679"/>
+            <a:off x="365760" y="3182111"/>
             <a:ext cx="4023360" cy="502920"/>
           </a:xfrm>
           <a:prstGeom prst="rect">
@@ -6229,8 +6229,8 @@
         </p:nvSpPr>
         <p:spPr>
           <a:xfrm>
-            <a:off x="4846320" y="2926079"/>
-            <a:ext cx="4023360" cy="228600"/>
+            <a:off x="4846320" y="2907791"/>
+            <a:ext cx="4023360" cy="256032"/>
           </a:xfrm>
           <a:prstGeom prst="rect">
             <a:avLst/>
@@ -6265,7 +6265,7 @@
         </p:nvSpPr>
         <p:spPr>
           <a:xfrm>
-            <a:off x="4846320" y="3154679"/>
+            <a:off x="4846320" y="3182111"/>
             <a:ext cx="4023360" cy="502920"/>
           </a:xfrm>
           <a:prstGeom prst="rect">
@@ -6957,8 +6957,8 @@
         </p:nvSpPr>
         <p:spPr>
           <a:xfrm>
-            <a:off x="320040" y="4023360"/>
-            <a:ext cx="8503920" cy="365760"/>
+            <a:off x="320040" y="4005072"/>
+            <a:ext cx="8503920" cy="457200"/>
           </a:xfrm>
           <a:prstGeom prst="rect">
             <a:avLst/>
@@ -7367,8 +7367,8 @@
         </p:nvSpPr>
         <p:spPr>
           <a:xfrm>
-            <a:off x="320040" y="3931920"/>
-            <a:ext cx="8503920" cy="365760"/>
+            <a:off x="320040" y="3913632"/>
+            <a:ext cx="8503920" cy="457200"/>
           </a:xfrm>
           <a:prstGeom prst="rect">
             <a:avLst/>
@@ -8481,8 +8481,8 @@
         </p:nvSpPr>
         <p:spPr>
           <a:xfrm>
-            <a:off x="320040" y="3474720"/>
-            <a:ext cx="8503920" cy="365760"/>
+            <a:off x="320040" y="3456432"/>
+            <a:ext cx="8503920" cy="457200"/>
           </a:xfrm>
           <a:prstGeom prst="rect">
             <a:avLst/>
@@ -8929,8 +8929,8 @@
         </p:nvSpPr>
         <p:spPr>
           <a:xfrm>
-            <a:off x="365760" y="2816352"/>
-            <a:ext cx="8412480" cy="365760"/>
+            <a:off x="365760" y="2770632"/>
+            <a:ext cx="8412480" cy="502920"/>
           </a:xfrm>
           <a:prstGeom prst="rect">
             <a:avLst/>
@@ -9008,8 +9008,8 @@
         </p:nvSpPr>
         <p:spPr>
           <a:xfrm>
-            <a:off x="320040" y="3474720"/>
-            <a:ext cx="8503920" cy="365760"/>
+            <a:off x="320040" y="3456432"/>
+            <a:ext cx="8503920" cy="457200"/>
           </a:xfrm>
           <a:prstGeom prst="rect">
             <a:avLst/>
@@ -9529,8 +9529,8 @@
         </p:nvSpPr>
         <p:spPr>
           <a:xfrm>
-            <a:off x="320040" y="3246120"/>
-            <a:ext cx="8503920" cy="365760"/>
+            <a:off x="320040" y="3227832"/>
+            <a:ext cx="8503920" cy="457200"/>
           </a:xfrm>
           <a:prstGeom prst="rect">
             <a:avLst/>
